--- a/Presentation_Slides/Fall2016ProgressSlidesKristen.pptx
+++ b/Presentation_Slides/Fall2016ProgressSlidesKristen.pptx
@@ -11,7 +11,6 @@
     <p:sldId id="259" r:id="rId5"/>
     <p:sldId id="260" r:id="rId6"/>
     <p:sldId id="261" r:id="rId7"/>
-    <p:sldId id="266" r:id="rId8"/>
   </p:sldIdLst>
   <p:sldSz cx="12192000" cy="6858000"/>
   <p:notesSz cx="6858000" cy="9144000"/>
@@ -3025,13 +3024,6 @@
               <a:t>Documents for our project and our process</a:t>
             </a:r>
           </a:p>
-          <a:p>
-            <a:r>
-              <a:rPr lang="en-US" dirty="0" smtClean="0"/>
-              <a:t>Contribution to the project</a:t>
-            </a:r>
-            <a:endParaRPr lang="en-US" dirty="0"/>
-          </a:p>
         </p:txBody>
       </p:sp>
     </p:spTree>
@@ -3803,199 +3795,6 @@
     <p:extLst>
       <p:ext uri="{BB962C8B-B14F-4D97-AF65-F5344CB8AC3E}">
         <p14:creationId xmlns:p14="http://schemas.microsoft.com/office/powerpoint/2010/main" val="4249950413"/>
-      </p:ext>
-    </p:extLst>
-  </p:cSld>
-  <p:clrMapOvr>
-    <a:masterClrMapping/>
-  </p:clrMapOvr>
-  <p:timing>
-    <p:tnLst>
-      <p:par>
-        <p:cTn id="1" dur="indefinite" restart="never" nodeType="tmRoot"/>
-      </p:par>
-    </p:tnLst>
-  </p:timing>
-</p:sld>
-</file>
-
-<file path=ppt/slides/slide7.xml><?xml version="1.0" encoding="utf-8"?>
-<p:sld xmlns:a="http://schemas.openxmlformats.org/drawingml/2006/main" xmlns:r="http://schemas.openxmlformats.org/officeDocument/2006/relationships" xmlns:p="http://schemas.openxmlformats.org/presentationml/2006/main">
-  <p:cSld>
-    <p:spTree>
-      <p:nvGrpSpPr>
-        <p:cNvPr id="1" name=""/>
-        <p:cNvGrpSpPr/>
-        <p:nvPr/>
-      </p:nvGrpSpPr>
-      <p:grpSpPr>
-        <a:xfrm>
-          <a:off x="0" y="0"/>
-          <a:ext cx="0" cy="0"/>
-          <a:chOff x="0" y="0"/>
-          <a:chExt cx="0" cy="0"/>
-        </a:xfrm>
-      </p:grpSpPr>
-      <p:sp>
-        <p:nvSpPr>
-          <p:cNvPr id="5" name="Title 4"/>
-          <p:cNvSpPr>
-            <a:spLocks noGrp="1"/>
-          </p:cNvSpPr>
-          <p:nvPr>
-            <p:ph type="title"/>
-          </p:nvPr>
-        </p:nvSpPr>
-        <p:spPr/>
-        <p:txBody>
-          <a:bodyPr/>
-          <a:lstStyle/>
-          <a:p>
-            <a:r>
-              <a:rPr lang="en-US" dirty="0" smtClean="0"/>
-              <a:t>My Contributions</a:t>
-            </a:r>
-            <a:endParaRPr lang="en-US" dirty="0"/>
-          </a:p>
-        </p:txBody>
-      </p:sp>
-      <p:sp>
-        <p:nvSpPr>
-          <p:cNvPr id="6" name="Content Placeholder 5"/>
-          <p:cNvSpPr>
-            <a:spLocks noGrp="1"/>
-          </p:cNvSpPr>
-          <p:nvPr>
-            <p:ph idx="1"/>
-          </p:nvPr>
-        </p:nvSpPr>
-        <p:spPr/>
-        <p:txBody>
-          <a:bodyPr>
-            <a:normAutofit fontScale="62500" lnSpcReduction="20000"/>
-          </a:bodyPr>
-          <a:lstStyle/>
-          <a:p>
-            <a:r>
-              <a:rPr lang="en-US" dirty="0" smtClean="0"/>
-              <a:t>Progress Report:</a:t>
-            </a:r>
-          </a:p>
-          <a:p>
-            <a:pPr lvl="1"/>
-            <a:r>
-              <a:rPr lang="en-US" dirty="0" smtClean="0"/>
-              <a:t>Abstract</a:t>
-            </a:r>
-          </a:p>
-          <a:p>
-            <a:pPr lvl="1"/>
-            <a:r>
-              <a:rPr lang="en-US" dirty="0" smtClean="0"/>
-              <a:t>Introduction</a:t>
-            </a:r>
-          </a:p>
-          <a:p>
-            <a:pPr lvl="1"/>
-            <a:r>
-              <a:rPr lang="en-US" dirty="0" smtClean="0"/>
-              <a:t>Problem definition</a:t>
-            </a:r>
-          </a:p>
-          <a:p>
-            <a:pPr lvl="1"/>
-            <a:r>
-              <a:rPr lang="en-US" dirty="0" smtClean="0"/>
-              <a:t>Conclusion</a:t>
-            </a:r>
-          </a:p>
-          <a:p>
-            <a:r>
-              <a:rPr lang="en-US" dirty="0" smtClean="0"/>
-              <a:t>Requirements Document:</a:t>
-            </a:r>
-          </a:p>
-          <a:p>
-            <a:pPr lvl="1"/>
-            <a:r>
-              <a:rPr lang="en-US" dirty="0" smtClean="0"/>
-              <a:t>Abstract</a:t>
-            </a:r>
-          </a:p>
-          <a:p>
-            <a:pPr lvl="1"/>
-            <a:r>
-              <a:rPr lang="en-US" dirty="0" smtClean="0"/>
-              <a:t>Introduction</a:t>
-            </a:r>
-          </a:p>
-          <a:p>
-            <a:pPr lvl="1"/>
-            <a:r>
-              <a:rPr lang="en-US" dirty="0" smtClean="0"/>
-              <a:t>Gantt chart</a:t>
-            </a:r>
-          </a:p>
-          <a:p>
-            <a:r>
-              <a:rPr lang="en-US" dirty="0" smtClean="0"/>
-              <a:t>Technology Review:</a:t>
-            </a:r>
-          </a:p>
-          <a:p>
-            <a:pPr lvl="1"/>
-            <a:r>
-              <a:rPr lang="en-US" dirty="0" smtClean="0"/>
-              <a:t>Abstract</a:t>
-            </a:r>
-          </a:p>
-          <a:p>
-            <a:pPr lvl="1"/>
-            <a:r>
-              <a:rPr lang="en-US" dirty="0" smtClean="0"/>
-              <a:t>Programming paradigms</a:t>
-            </a:r>
-          </a:p>
-          <a:p>
-            <a:pPr lvl="1"/>
-            <a:r>
-              <a:rPr lang="en-US" dirty="0" smtClean="0"/>
-              <a:t>Language</a:t>
-            </a:r>
-          </a:p>
-          <a:p>
-            <a:pPr lvl="1"/>
-            <a:r>
-              <a:rPr lang="en-US" dirty="0" smtClean="0"/>
-              <a:t>IDE</a:t>
-            </a:r>
-          </a:p>
-          <a:p>
-            <a:r>
-              <a:rPr lang="en-US" dirty="0" smtClean="0"/>
-              <a:t>Design Document:</a:t>
-            </a:r>
-          </a:p>
-          <a:p>
-            <a:pPr lvl="1"/>
-            <a:r>
-              <a:rPr lang="en-US" dirty="0" smtClean="0"/>
-              <a:t>Abstract</a:t>
-            </a:r>
-          </a:p>
-          <a:p>
-            <a:pPr lvl="1"/>
-            <a:r>
-              <a:rPr lang="en-US" dirty="0" smtClean="0"/>
-              <a:t>Documentation section of design</a:t>
-            </a:r>
-          </a:p>
-        </p:txBody>
-      </p:sp>
-    </p:spTree>
-    <p:extLst>
-      <p:ext uri="{BB962C8B-B14F-4D97-AF65-F5344CB8AC3E}">
-        <p14:creationId xmlns:p14="http://schemas.microsoft.com/office/powerpoint/2010/main" val="2519596408"/>
       </p:ext>
     </p:extLst>
   </p:cSld>
